--- a/theorie/programmeren/2-Variabelen.pptx
+++ b/theorie/programmeren/2-Variabelen.pptx
@@ -18,6 +18,7 @@
     <p:sldId id="263" r:id="rId13"/>
     <p:sldId id="264" r:id="rId14"/>
     <p:sldId id="265" r:id="rId15"/>
+    <p:sldId id="266" r:id="rId16"/>
   </p:sldIdLst>
   <p:sldSz cy="5143500" cx="9144000"/>
   <p:notesSz cx="6858000" cy="9144000"/>
@@ -813,7 +814,7 @@
       </p:grpSpPr>
       <p:sp>
         <p:nvSpPr>
-          <p:cNvPr id="118" name="Google Shape;118;g3b6cab87a3d_0_22:notes"/>
+          <p:cNvPr id="118" name="Google Shape;118;g3b93e07a36e_0_0:notes"/>
           <p:cNvSpPr/>
           <p:nvPr>
             <p:ph idx="2" type="sldImg"/>
@@ -848,7 +849,106 @@
       </p:sp>
       <p:sp>
         <p:nvSpPr>
-          <p:cNvPr id="119" name="Google Shape;119;g3b6cab87a3d_0_22:notes"/>
+          <p:cNvPr id="119" name="Google Shape;119;g3b93e07a36e_0_0:notes"/>
+          <p:cNvSpPr txBox="1"/>
+          <p:nvPr>
+            <p:ph idx="1" type="body"/>
+          </p:nvPr>
+        </p:nvSpPr>
+        <p:spPr>
+          <a:xfrm>
+            <a:off x="685800" y="4343400"/>
+            <a:ext cx="5486400" cy="4114800"/>
+          </a:xfrm>
+          <a:prstGeom prst="rect">
+            <a:avLst/>
+          </a:prstGeom>
+        </p:spPr>
+        <p:txBody>
+          <a:bodyPr anchorCtr="0" anchor="t" bIns="91425" lIns="91425" spcFirstLastPara="1" rIns="91425" wrap="square" tIns="91425">
+            <a:noAutofit/>
+          </a:bodyPr>
+          <a:lstStyle/>
+          <a:p>
+            <a:pPr indent="0" lvl="0" marL="0" rtl="0" algn="l">
+              <a:spcBef>
+                <a:spcPts val="0"/>
+              </a:spcBef>
+              <a:spcAft>
+                <a:spcPts val="0"/>
+              </a:spcAft>
+              <a:buNone/>
+            </a:pPr>
+            <a:r>
+              <a:t/>
+            </a:r>
+            <a:endParaRPr/>
+          </a:p>
+        </p:txBody>
+      </p:sp>
+    </p:spTree>
+  </p:cSld>
+  <p:clrMapOvr>
+    <a:masterClrMapping/>
+  </p:clrMapOvr>
+</p:notes>
+</file>
+
+<file path=ppt/notesSlides/notesSlide11.xml><?xml version="1.0" encoding="utf-8"?>
+<p:notes xmlns:a="http://schemas.openxmlformats.org/drawingml/2006/main" xmlns:r="http://schemas.openxmlformats.org/officeDocument/2006/relationships" xmlns:mc="http://schemas.openxmlformats.org/markup-compatibility/2006" xmlns:mv="urn:schemas-microsoft-com:mac:vml" xmlns:p="http://schemas.openxmlformats.org/presentationml/2006/main" xmlns:c="http://schemas.openxmlformats.org/drawingml/2006/chart" xmlns:dgm="http://schemas.openxmlformats.org/drawingml/2006/diagram" xmlns:o="urn:schemas-microsoft-com:office:office" xmlns:v="urn:schemas-microsoft-com:vml" xmlns:pvml="urn:schemas-microsoft-com:office:powerpoint" xmlns:com="http://schemas.openxmlformats.org/drawingml/2006/compatibility" xmlns:p14="http://schemas.microsoft.com/office/powerpoint/2010/main" xmlns:p15="http://schemas.microsoft.com/office/powerpoint/2012/main" xmlns:ahyp="http://schemas.microsoft.com/office/drawing/2018/hyperlinkcolor" showMasterPhAnim="0" showMasterSp="0">
+  <p:cSld>
+    <p:spTree>
+      <p:nvGrpSpPr>
+        <p:cNvPr id="124" name="Shape 124"/>
+        <p:cNvGrpSpPr/>
+        <p:nvPr/>
+      </p:nvGrpSpPr>
+      <p:grpSpPr>
+        <a:xfrm>
+          <a:off x="0" y="0"/>
+          <a:ext cx="0" cy="0"/>
+          <a:chOff x="0" y="0"/>
+          <a:chExt cx="0" cy="0"/>
+        </a:xfrm>
+      </p:grpSpPr>
+      <p:sp>
+        <p:nvSpPr>
+          <p:cNvPr id="125" name="Google Shape;125;g3b6cab87a3d_0_22:notes"/>
+          <p:cNvSpPr/>
+          <p:nvPr>
+            <p:ph idx="2" type="sldImg"/>
+          </p:nvPr>
+        </p:nvSpPr>
+        <p:spPr>
+          <a:xfrm>
+            <a:off x="381300" y="685800"/>
+            <a:ext cx="6096000" cy="3429000"/>
+          </a:xfrm>
+          <a:custGeom>
+            <a:rect b="b" l="l" r="r" t="t"/>
+            <a:pathLst>
+              <a:path extrusionOk="0" h="120000" w="120000">
+                <a:moveTo>
+                  <a:pt x="0" y="0"/>
+                </a:moveTo>
+                <a:lnTo>
+                  <a:pt x="120000" y="0"/>
+                </a:lnTo>
+                <a:lnTo>
+                  <a:pt x="120000" y="120000"/>
+                </a:lnTo>
+                <a:lnTo>
+                  <a:pt x="0" y="120000"/>
+                </a:lnTo>
+                <a:close/>
+              </a:path>
+            </a:pathLst>
+          </a:custGeom>
+        </p:spPr>
+      </p:sp>
+      <p:sp>
+        <p:nvSpPr>
+          <p:cNvPr id="126" name="Google Shape;126;g3b6cab87a3d_0_22:notes"/>
           <p:cNvSpPr txBox="1"/>
           <p:nvPr>
             <p:ph idx="1" type="body"/>
@@ -6546,7 +6646,7 @@
             </a:pPr>
             <a:r>
               <a:rPr lang="nl"/>
-              <a:t>Werkblad</a:t>
+              <a:t>Verschillende types variabelen</a:t>
             </a:r>
             <a:endParaRPr/>
           </a:p>
@@ -6555,6 +6655,204 @@
       <p:sp>
         <p:nvSpPr>
           <p:cNvPr id="122" name="Google Shape;122;p22"/>
+          <p:cNvSpPr txBox="1"/>
+          <p:nvPr>
+            <p:ph idx="1" type="body"/>
+          </p:nvPr>
+        </p:nvSpPr>
+        <p:spPr>
+          <a:xfrm>
+            <a:off x="311700" y="1152475"/>
+            <a:ext cx="7913700" cy="3416400"/>
+          </a:xfrm>
+          <a:prstGeom prst="rect">
+            <a:avLst/>
+          </a:prstGeom>
+        </p:spPr>
+        <p:txBody>
+          <a:bodyPr anchorCtr="0" anchor="t" bIns="91425" lIns="91425" spcFirstLastPara="1" rIns="91425" wrap="square" tIns="91425">
+            <a:normAutofit/>
+          </a:bodyPr>
+          <a:lstStyle/>
+          <a:p>
+            <a:pPr indent="-342900" lvl="0" marL="457200" rtl="0" algn="l">
+              <a:spcBef>
+                <a:spcPts val="0"/>
+              </a:spcBef>
+              <a:spcAft>
+                <a:spcPts val="0"/>
+              </a:spcAft>
+              <a:buSzPts val="1800"/>
+              <a:buChar char="●"/>
+            </a:pPr>
+            <a:r>
+              <a:rPr lang="nl"/>
+              <a:t>var: Gebruikt door Khan Academy, maar minder veilig doordat de variabele overal toegankelijk is (bv. var x = 0)</a:t>
+            </a:r>
+            <a:endParaRPr/>
+          </a:p>
+          <a:p>
+            <a:pPr indent="0" lvl="0" marL="0" rtl="0" algn="l">
+              <a:spcBef>
+                <a:spcPts val="1200"/>
+              </a:spcBef>
+              <a:spcAft>
+                <a:spcPts val="0"/>
+              </a:spcAft>
+              <a:buNone/>
+            </a:pPr>
+            <a:r>
+              <a:t/>
+            </a:r>
+            <a:endParaRPr/>
+          </a:p>
+          <a:p>
+            <a:pPr indent="-342900" lvl="0" marL="457200" rtl="0" algn="l">
+              <a:spcBef>
+                <a:spcPts val="1200"/>
+              </a:spcBef>
+              <a:spcAft>
+                <a:spcPts val="0"/>
+              </a:spcAft>
+              <a:buSzPts val="1800"/>
+              <a:buChar char="●"/>
+            </a:pPr>
+            <a:r>
+              <a:rPr lang="nl"/>
+              <a:t>let: Meest gebruikte, veiliger doordat de variabele enkel toegankelijk is waar hij gebruikt wordt (bv. let x = 0)</a:t>
+            </a:r>
+            <a:endParaRPr/>
+          </a:p>
+          <a:p>
+            <a:pPr indent="0" lvl="0" marL="0" rtl="0" algn="l">
+              <a:spcBef>
+                <a:spcPts val="1200"/>
+              </a:spcBef>
+              <a:spcAft>
+                <a:spcPts val="0"/>
+              </a:spcAft>
+              <a:buNone/>
+            </a:pPr>
+            <a:r>
+              <a:t/>
+            </a:r>
+            <a:endParaRPr/>
+          </a:p>
+          <a:p>
+            <a:pPr indent="-342900" lvl="0" marL="457200" rtl="0" algn="l">
+              <a:spcBef>
+                <a:spcPts val="1200"/>
+              </a:spcBef>
+              <a:spcAft>
+                <a:spcPts val="0"/>
+              </a:spcAft>
+              <a:buSzPts val="1800"/>
+              <a:buChar char="●"/>
+            </a:pPr>
+            <a:r>
+              <a:rPr lang="nl"/>
+              <a:t>const: Kan daarna niet meer gewijzigd worden in andere regel (dus niet gebruiken voor bv. score, maar wel prima voor herhaling vermijden)</a:t>
+            </a:r>
+            <a:endParaRPr/>
+          </a:p>
+        </p:txBody>
+      </p:sp>
+      <p:pic>
+        <p:nvPicPr>
+          <p:cNvPr id="123" name="Google Shape;123;p22"/>
+          <p:cNvPicPr preferRelativeResize="0"/>
+          <p:nvPr/>
+        </p:nvPicPr>
+        <p:blipFill>
+          <a:blip r:embed="rId3">
+            <a:alphaModFix/>
+          </a:blip>
+          <a:stretch>
+            <a:fillRect/>
+          </a:stretch>
+        </p:blipFill>
+        <p:spPr>
+          <a:xfrm>
+            <a:off x="7626500" y="0"/>
+            <a:ext cx="1517499" cy="1213976"/>
+          </a:xfrm>
+          <a:prstGeom prst="rect">
+            <a:avLst/>
+          </a:prstGeom>
+          <a:noFill/>
+          <a:ln>
+            <a:noFill/>
+          </a:ln>
+        </p:spPr>
+      </p:pic>
+    </p:spTree>
+  </p:cSld>
+  <p:clrMapOvr>
+    <a:masterClrMapping/>
+  </p:clrMapOvr>
+</p:sld>
+</file>
+
+<file path=ppt/slides/slide11.xml><?xml version="1.0" encoding="utf-8"?>
+<p:sld xmlns:a="http://schemas.openxmlformats.org/drawingml/2006/main" xmlns:r="http://schemas.openxmlformats.org/officeDocument/2006/relationships" xmlns:mc="http://schemas.openxmlformats.org/markup-compatibility/2006" xmlns:mv="urn:schemas-microsoft-com:mac:vml" xmlns:p="http://schemas.openxmlformats.org/presentationml/2006/main" xmlns:c="http://schemas.openxmlformats.org/drawingml/2006/chart" xmlns:dgm="http://schemas.openxmlformats.org/drawingml/2006/diagram" xmlns:o="urn:schemas-microsoft-com:office:office" xmlns:v="urn:schemas-microsoft-com:vml" xmlns:pvml="urn:schemas-microsoft-com:office:powerpoint" xmlns:com="http://schemas.openxmlformats.org/drawingml/2006/compatibility" xmlns:p14="http://schemas.microsoft.com/office/powerpoint/2010/main" xmlns:p15="http://schemas.microsoft.com/office/powerpoint/2012/main" xmlns:ahyp="http://schemas.microsoft.com/office/drawing/2018/hyperlinkcolor">
+  <p:cSld>
+    <p:spTree>
+      <p:nvGrpSpPr>
+        <p:cNvPr id="127" name="Shape 127"/>
+        <p:cNvGrpSpPr/>
+        <p:nvPr/>
+      </p:nvGrpSpPr>
+      <p:grpSpPr>
+        <a:xfrm>
+          <a:off x="0" y="0"/>
+          <a:ext cx="0" cy="0"/>
+          <a:chOff x="0" y="0"/>
+          <a:chExt cx="0" cy="0"/>
+        </a:xfrm>
+      </p:grpSpPr>
+      <p:sp>
+        <p:nvSpPr>
+          <p:cNvPr id="128" name="Google Shape;128;p23"/>
+          <p:cNvSpPr txBox="1"/>
+          <p:nvPr>
+            <p:ph type="title"/>
+          </p:nvPr>
+        </p:nvSpPr>
+        <p:spPr>
+          <a:xfrm>
+            <a:off x="311700" y="445025"/>
+            <a:ext cx="8520600" cy="572700"/>
+          </a:xfrm>
+          <a:prstGeom prst="rect">
+            <a:avLst/>
+          </a:prstGeom>
+        </p:spPr>
+        <p:txBody>
+          <a:bodyPr anchorCtr="0" anchor="t" bIns="91425" lIns="91425" spcFirstLastPara="1" rIns="91425" wrap="square" tIns="91425">
+            <a:normAutofit fontScale="90000"/>
+          </a:bodyPr>
+          <a:lstStyle/>
+          <a:p>
+            <a:pPr indent="0" lvl="0" marL="0" rtl="0" algn="l">
+              <a:spcBef>
+                <a:spcPts val="0"/>
+              </a:spcBef>
+              <a:spcAft>
+                <a:spcPts val="0"/>
+              </a:spcAft>
+              <a:buNone/>
+            </a:pPr>
+            <a:r>
+              <a:rPr lang="nl"/>
+              <a:t>Werkblad</a:t>
+            </a:r>
+            <a:endParaRPr/>
+          </a:p>
+        </p:txBody>
+      </p:sp>
+      <p:sp>
+        <p:nvSpPr>
+          <p:cNvPr id="129" name="Google Shape;129;p23"/>
           <p:cNvSpPr txBox="1"/>
           <p:nvPr>
             <p:ph idx="1" type="body"/>
